--- a/Day_1/Lectures/Day_1_Lecture_Intro.pptx
+++ b/Day_1/Lectures/Day_1_Lecture_Intro.pptx
@@ -5,7 +5,7 @@
     <p:sldMasterId id="2147483648" r:id="rId1"/>
   </p:sldMasterIdLst>
   <p:notesMasterIdLst>
-    <p:notesMasterId r:id="rId19"/>
+    <p:notesMasterId r:id="rId22"/>
   </p:notesMasterIdLst>
   <p:sldIdLst>
     <p:sldId id="256" r:id="rId2"/>
@@ -22,9 +22,12 @@
     <p:sldId id="260" r:id="rId13"/>
     <p:sldId id="272" r:id="rId14"/>
     <p:sldId id="269" r:id="rId15"/>
-    <p:sldId id="261" r:id="rId16"/>
-    <p:sldId id="273" r:id="rId17"/>
-    <p:sldId id="262" r:id="rId18"/>
+    <p:sldId id="274" r:id="rId16"/>
+    <p:sldId id="261" r:id="rId17"/>
+    <p:sldId id="275" r:id="rId18"/>
+    <p:sldId id="273" r:id="rId19"/>
+    <p:sldId id="276" r:id="rId20"/>
+    <p:sldId id="262" r:id="rId21"/>
   </p:sldIdLst>
   <p:sldSz cx="9144000" cy="6858000" type="screen4x3"/>
   <p:notesSz cx="6858000" cy="9144000"/>
@@ -208,7 +211,7 @@
           <a:p>
             <a:fld id="{C7A54013-F892-DE44-896E-D89BDDF144E6}" type="datetimeFigureOut">
               <a:rPr lang="en-US" smtClean="0"/>
-              <a:t>12/29/14</a:t>
+              <a:t>1/18/15</a:t>
             </a:fld>
             <a:endParaRPr lang="en-US"/>
           </a:p>
@@ -963,7 +966,7 @@
           <a:p>
             <a:fld id="{2D6AA457-920D-9C48-BD45-58BDD0C705B6}" type="slidenum">
               <a:rPr lang="en-US" smtClean="0"/>
-              <a:t>15</a:t>
+              <a:t>16</a:t>
             </a:fld>
             <a:endParaRPr lang="en-US"/>
           </a:p>
@@ -1065,7 +1068,7 @@
           <a:p>
             <a:fld id="{2D6AA457-920D-9C48-BD45-58BDD0C705B6}" type="slidenum">
               <a:rPr lang="en-US" smtClean="0"/>
-              <a:t>16</a:t>
+              <a:t>18</a:t>
             </a:fld>
             <a:endParaRPr lang="en-US"/>
           </a:p>
@@ -1129,6 +1132,112 @@
           <a:lstStyle/>
           <a:p>
             <a:r>
+              <a:rPr lang="en-US" dirty="0" smtClean="0"/>
+              <a:t>Explain roles</a:t>
+            </a:r>
+          </a:p>
+          <a:p>
+            <a:endParaRPr lang="en-US" dirty="0" smtClean="0"/>
+          </a:p>
+          <a:p>
+            <a:r>
+              <a:rPr lang="en-US" dirty="0" smtClean="0"/>
+              <a:t>Explain then the concept</a:t>
+            </a:r>
+            <a:r>
+              <a:rPr lang="en-US" baseline="0" dirty="0" smtClean="0"/>
+              <a:t> of data curation… </a:t>
+            </a:r>
+          </a:p>
+          <a:p>
+            <a:endParaRPr lang="en-US" baseline="0" smtClean="0"/>
+          </a:p>
+          <a:p>
+            <a:endParaRPr lang="en-US"/>
+          </a:p>
+        </p:txBody>
+      </p:sp>
+      <p:sp>
+        <p:nvSpPr>
+          <p:cNvPr id="4" name="Slide Number Placeholder 3"/>
+          <p:cNvSpPr>
+            <a:spLocks noGrp="1"/>
+          </p:cNvSpPr>
+          <p:nvPr>
+            <p:ph type="sldNum" sz="quarter" idx="10"/>
+          </p:nvPr>
+        </p:nvSpPr>
+        <p:spPr/>
+        <p:txBody>
+          <a:bodyPr/>
+          <a:lstStyle/>
+          <a:p>
+            <a:fld id="{2D6AA457-920D-9C48-BD45-58BDD0C705B6}" type="slidenum">
+              <a:rPr lang="en-US" smtClean="0"/>
+              <a:t>19</a:t>
+            </a:fld>
+            <a:endParaRPr lang="en-US"/>
+          </a:p>
+        </p:txBody>
+      </p:sp>
+    </p:spTree>
+    <p:extLst>
+      <p:ext uri="{BB962C8B-B14F-4D97-AF65-F5344CB8AC3E}">
+        <p14:creationId xmlns:p14="http://schemas.microsoft.com/office/powerpoint/2010/main" val="2265920487"/>
+      </p:ext>
+    </p:extLst>
+  </p:cSld>
+  <p:clrMapOvr>
+    <a:masterClrMapping/>
+  </p:clrMapOvr>
+</p:notes>
+</file>
+
+<file path=ppt/notesSlides/notesSlide8.xml><?xml version="1.0" encoding="utf-8"?>
+<p:notes xmlns:a="http://schemas.openxmlformats.org/drawingml/2006/main" xmlns:r="http://schemas.openxmlformats.org/officeDocument/2006/relationships" xmlns:p="http://schemas.openxmlformats.org/presentationml/2006/main">
+  <p:cSld>
+    <p:spTree>
+      <p:nvGrpSpPr>
+        <p:cNvPr id="1" name=""/>
+        <p:cNvGrpSpPr/>
+        <p:nvPr/>
+      </p:nvGrpSpPr>
+      <p:grpSpPr>
+        <a:xfrm>
+          <a:off x="0" y="0"/>
+          <a:ext cx="0" cy="0"/>
+          <a:chOff x="0" y="0"/>
+          <a:chExt cx="0" cy="0"/>
+        </a:xfrm>
+      </p:grpSpPr>
+      <p:sp>
+        <p:nvSpPr>
+          <p:cNvPr id="2" name="Slide Image Placeholder 1"/>
+          <p:cNvSpPr>
+            <a:spLocks noGrp="1" noRot="1" noChangeAspect="1"/>
+          </p:cNvSpPr>
+          <p:nvPr>
+            <p:ph type="sldImg"/>
+          </p:nvPr>
+        </p:nvSpPr>
+        <p:spPr/>
+      </p:sp>
+      <p:sp>
+        <p:nvSpPr>
+          <p:cNvPr id="3" name="Notes Placeholder 2"/>
+          <p:cNvSpPr>
+            <a:spLocks noGrp="1"/>
+          </p:cNvSpPr>
+          <p:nvPr>
+            <p:ph type="body" idx="1"/>
+          </p:nvPr>
+        </p:nvSpPr>
+        <p:spPr/>
+        <p:txBody>
+          <a:bodyPr/>
+          <a:lstStyle/>
+          <a:p>
+            <a:r>
               <a:rPr lang="en-US" smtClean="0"/>
               <a:t>All together now</a:t>
             </a:r>
@@ -1153,7 +1262,7 @@
           <a:p>
             <a:fld id="{2D6AA457-920D-9C48-BD45-58BDD0C705B6}" type="slidenum">
               <a:rPr lang="en-US" smtClean="0"/>
-              <a:t>17</a:t>
+              <a:t>20</a:t>
             </a:fld>
             <a:endParaRPr lang="en-US"/>
           </a:p>
@@ -1353,7 +1462,7 @@
           <a:p>
             <a:fld id="{9D6228D5-5F93-BB4A-964B-203967C46295}" type="datetimeFigureOut">
               <a:rPr lang="en-US" smtClean="0"/>
-              <a:t>12/29/14</a:t>
+              <a:t>1/18/15</a:t>
             </a:fld>
             <a:endParaRPr lang="en-US"/>
           </a:p>
@@ -1523,7 +1632,7 @@
           <a:p>
             <a:fld id="{9D6228D5-5F93-BB4A-964B-203967C46295}" type="datetimeFigureOut">
               <a:rPr lang="en-US" smtClean="0"/>
-              <a:t>12/29/14</a:t>
+              <a:t>1/18/15</a:t>
             </a:fld>
             <a:endParaRPr lang="en-US"/>
           </a:p>
@@ -1703,7 +1812,7 @@
           <a:p>
             <a:fld id="{9D6228D5-5F93-BB4A-964B-203967C46295}" type="datetimeFigureOut">
               <a:rPr lang="en-US" smtClean="0"/>
-              <a:t>12/29/14</a:t>
+              <a:t>1/18/15</a:t>
             </a:fld>
             <a:endParaRPr lang="en-US"/>
           </a:p>
@@ -1873,7 +1982,7 @@
           <a:p>
             <a:fld id="{9D6228D5-5F93-BB4A-964B-203967C46295}" type="datetimeFigureOut">
               <a:rPr lang="en-US" smtClean="0"/>
-              <a:t>12/29/14</a:t>
+              <a:t>1/18/15</a:t>
             </a:fld>
             <a:endParaRPr lang="en-US"/>
           </a:p>
@@ -2119,7 +2228,7 @@
           <a:p>
             <a:fld id="{9D6228D5-5F93-BB4A-964B-203967C46295}" type="datetimeFigureOut">
               <a:rPr lang="en-US" smtClean="0"/>
-              <a:t>12/29/14</a:t>
+              <a:t>1/18/15</a:t>
             </a:fld>
             <a:endParaRPr lang="en-US"/>
           </a:p>
@@ -2407,7 +2516,7 @@
           <a:p>
             <a:fld id="{9D6228D5-5F93-BB4A-964B-203967C46295}" type="datetimeFigureOut">
               <a:rPr lang="en-US" smtClean="0"/>
-              <a:t>12/29/14</a:t>
+              <a:t>1/18/15</a:t>
             </a:fld>
             <a:endParaRPr lang="en-US"/>
           </a:p>
@@ -2829,7 +2938,7 @@
           <a:p>
             <a:fld id="{9D6228D5-5F93-BB4A-964B-203967C46295}" type="datetimeFigureOut">
               <a:rPr lang="en-US" smtClean="0"/>
-              <a:t>12/29/14</a:t>
+              <a:t>1/18/15</a:t>
             </a:fld>
             <a:endParaRPr lang="en-US"/>
           </a:p>
@@ -2947,7 +3056,7 @@
           <a:p>
             <a:fld id="{9D6228D5-5F93-BB4A-964B-203967C46295}" type="datetimeFigureOut">
               <a:rPr lang="en-US" smtClean="0"/>
-              <a:t>12/29/14</a:t>
+              <a:t>1/18/15</a:t>
             </a:fld>
             <a:endParaRPr lang="en-US"/>
           </a:p>
@@ -3042,7 +3151,7 @@
           <a:p>
             <a:fld id="{9D6228D5-5F93-BB4A-964B-203967C46295}" type="datetimeFigureOut">
               <a:rPr lang="en-US" smtClean="0"/>
-              <a:t>12/29/14</a:t>
+              <a:t>1/18/15</a:t>
             </a:fld>
             <a:endParaRPr lang="en-US"/>
           </a:p>
@@ -3319,7 +3428,7 @@
           <a:p>
             <a:fld id="{9D6228D5-5F93-BB4A-964B-203967C46295}" type="datetimeFigureOut">
               <a:rPr lang="en-US" smtClean="0"/>
-              <a:t>12/29/14</a:t>
+              <a:t>1/18/15</a:t>
             </a:fld>
             <a:endParaRPr lang="en-US"/>
           </a:p>
@@ -3576,7 +3685,7 @@
           <a:p>
             <a:fld id="{9D6228D5-5F93-BB4A-964B-203967C46295}" type="datetimeFigureOut">
               <a:rPr lang="en-US" smtClean="0"/>
-              <a:t>12/29/14</a:t>
+              <a:t>1/18/15</a:t>
             </a:fld>
             <a:endParaRPr lang="en-US"/>
           </a:p>
@@ -3789,7 +3898,7 @@
           <a:p>
             <a:fld id="{9D6228D5-5F93-BB4A-964B-203967C46295}" type="datetimeFigureOut">
               <a:rPr lang="en-US" smtClean="0"/>
-              <a:t>12/29/14</a:t>
+              <a:t>1/18/15</a:t>
             </a:fld>
             <a:endParaRPr lang="en-US"/>
           </a:p>
@@ -4598,7 +4707,6 @@
               <a:rPr lang="en-US" dirty="0"/>
               <a:t>			Born-digital data</a:t>
             </a:r>
-            <a:endParaRPr lang="en-US" dirty="0"/>
           </a:p>
         </p:txBody>
       </p:sp>
@@ -4649,11 +4757,7 @@
           <a:p>
             <a:r>
               <a:rPr lang="en-US" dirty="0" smtClean="0"/>
-              <a:t>Humanities </a:t>
-            </a:r>
-            <a:r>
-              <a:rPr lang="en-US" dirty="0" smtClean="0"/>
-              <a:t>Data</a:t>
+              <a:t>Humanities Data</a:t>
             </a:r>
             <a:endParaRPr lang="en-US" dirty="0"/>
           </a:p>
@@ -5013,7 +5117,19 @@
             </a:pPr>
             <a:r>
               <a:rPr lang="en-US" dirty="0" smtClean="0"/>
-              <a:t>And in a scholarly community, data play a role that supports the production of new knowledge</a:t>
+              <a:t>And in a scholarly community, data play </a:t>
+            </a:r>
+            <a:r>
+              <a:rPr lang="en-US" dirty="0" smtClean="0"/>
+              <a:t>an evidentiary </a:t>
+            </a:r>
+            <a:r>
+              <a:rPr lang="en-US" dirty="0" smtClean="0"/>
+              <a:t>role that supports the production of new </a:t>
+            </a:r>
+            <a:r>
+              <a:rPr lang="en-US" dirty="0" smtClean="0"/>
+              <a:t>knowledge.</a:t>
             </a:r>
             <a:endParaRPr lang="en-US" dirty="0"/>
           </a:p>
@@ -5033,6 +5149,370 @@
 </file>
 
 <file path=ppt/slides/slide15.xml><?xml version="1.0" encoding="utf-8"?>
+<p:sld xmlns:a="http://schemas.openxmlformats.org/drawingml/2006/main" xmlns:r="http://schemas.openxmlformats.org/officeDocument/2006/relationships" xmlns:p="http://schemas.openxmlformats.org/presentationml/2006/main">
+  <p:cSld>
+    <p:spTree>
+      <p:nvGrpSpPr>
+        <p:cNvPr id="1" name=""/>
+        <p:cNvGrpSpPr/>
+        <p:nvPr/>
+      </p:nvGrpSpPr>
+      <p:grpSpPr>
+        <a:xfrm>
+          <a:off x="0" y="0"/>
+          <a:ext cx="0" cy="0"/>
+          <a:chOff x="0" y="0"/>
+          <a:chExt cx="0" cy="0"/>
+        </a:xfrm>
+      </p:grpSpPr>
+      <p:sp>
+        <p:nvSpPr>
+          <p:cNvPr id="2" name="Title 1"/>
+          <p:cNvSpPr>
+            <a:spLocks noGrp="1"/>
+          </p:cNvSpPr>
+          <p:nvPr>
+            <p:ph type="title"/>
+          </p:nvPr>
+        </p:nvSpPr>
+        <p:spPr/>
+        <p:txBody>
+          <a:bodyPr/>
+          <a:lstStyle/>
+          <a:p>
+            <a:r>
+              <a:rPr lang="en-US" dirty="0" smtClean="0"/>
+              <a:t>Data “types”</a:t>
+            </a:r>
+            <a:endParaRPr lang="en-US" dirty="0"/>
+          </a:p>
+        </p:txBody>
+      </p:sp>
+      <p:sp>
+        <p:nvSpPr>
+          <p:cNvPr id="3" name="Content Placeholder 2"/>
+          <p:cNvSpPr>
+            <a:spLocks noGrp="1"/>
+          </p:cNvSpPr>
+          <p:nvPr>
+            <p:ph idx="1"/>
+          </p:nvPr>
+        </p:nvSpPr>
+        <p:spPr/>
+        <p:txBody>
+          <a:bodyPr numCol="2">
+            <a:noAutofit/>
+          </a:bodyPr>
+          <a:lstStyle/>
+          <a:p>
+            <a:pPr marL="0" indent="0">
+              <a:buNone/>
+            </a:pPr>
+            <a:r>
+              <a:rPr lang="en-US" sz="1200" dirty="0" smtClean="0"/>
+              <a:t>Documents </a:t>
+            </a:r>
+            <a:r>
+              <a:rPr lang="en-US" sz="1200" dirty="0"/>
+              <a:t>(text, Word), spreadsheets</a:t>
+            </a:r>
+          </a:p>
+          <a:p>
+            <a:pPr marL="0" indent="0">
+              <a:buNone/>
+            </a:pPr>
+            <a:endParaRPr lang="en-US" sz="1200" dirty="0"/>
+          </a:p>
+          <a:p>
+            <a:pPr marL="0" indent="0">
+              <a:buNone/>
+            </a:pPr>
+            <a:r>
+              <a:rPr lang="en-US" sz="1200" dirty="0"/>
+              <a:t>Laboratory notebooks, field notebooks, diaries</a:t>
+            </a:r>
+          </a:p>
+          <a:p>
+            <a:pPr marL="0" indent="0">
+              <a:buNone/>
+            </a:pPr>
+            <a:endParaRPr lang="en-US" sz="1200" dirty="0"/>
+          </a:p>
+          <a:p>
+            <a:pPr marL="0" indent="0">
+              <a:buNone/>
+            </a:pPr>
+            <a:r>
+              <a:rPr lang="en-US" sz="1200" dirty="0"/>
+              <a:t>Questionnaires, transcripts, codebooks</a:t>
+            </a:r>
+          </a:p>
+          <a:p>
+            <a:pPr marL="0" indent="0">
+              <a:buNone/>
+            </a:pPr>
+            <a:endParaRPr lang="en-US" sz="1200" dirty="0"/>
+          </a:p>
+          <a:p>
+            <a:pPr marL="0" indent="0">
+              <a:buNone/>
+            </a:pPr>
+            <a:r>
+              <a:rPr lang="en-US" sz="1200" dirty="0"/>
+              <a:t>Audiotapes, videotapes</a:t>
+            </a:r>
+          </a:p>
+          <a:p>
+            <a:pPr marL="0" indent="0">
+              <a:buNone/>
+            </a:pPr>
+            <a:endParaRPr lang="en-US" sz="1200" dirty="0"/>
+          </a:p>
+          <a:p>
+            <a:pPr marL="0" indent="0">
+              <a:buNone/>
+            </a:pPr>
+            <a:r>
+              <a:rPr lang="en-US" sz="1200" dirty="0"/>
+              <a:t>Photographs, films</a:t>
+            </a:r>
+          </a:p>
+          <a:p>
+            <a:pPr marL="0" indent="0">
+              <a:buNone/>
+            </a:pPr>
+            <a:endParaRPr lang="en-US" sz="1200" dirty="0"/>
+          </a:p>
+          <a:p>
+            <a:pPr marL="0" indent="0">
+              <a:buNone/>
+            </a:pPr>
+            <a:r>
+              <a:rPr lang="en-US" sz="1200" dirty="0"/>
+              <a:t>Test responses</a:t>
+            </a:r>
+          </a:p>
+          <a:p>
+            <a:pPr marL="0" indent="0">
+              <a:buNone/>
+            </a:pPr>
+            <a:endParaRPr lang="en-US" sz="1200" dirty="0"/>
+          </a:p>
+          <a:p>
+            <a:pPr marL="0" indent="0">
+              <a:buNone/>
+            </a:pPr>
+            <a:r>
+              <a:rPr lang="en-US" sz="1200" dirty="0"/>
+              <a:t>Slides, </a:t>
+            </a:r>
+            <a:r>
+              <a:rPr lang="en-US" sz="1200" dirty="0" err="1"/>
+              <a:t>artefacts</a:t>
+            </a:r>
+            <a:r>
+              <a:rPr lang="en-US" sz="1200" dirty="0"/>
+              <a:t>, specimens, samples</a:t>
+            </a:r>
+          </a:p>
+          <a:p>
+            <a:pPr marL="0" indent="0">
+              <a:buNone/>
+            </a:pPr>
+            <a:endParaRPr lang="en-US" sz="1200" dirty="0"/>
+          </a:p>
+          <a:p>
+            <a:pPr marL="0" indent="0">
+              <a:buNone/>
+            </a:pPr>
+            <a:r>
+              <a:rPr lang="en-US" sz="1200" dirty="0"/>
+              <a:t>Collection of digital objects acquired and generated during the process of research</a:t>
+            </a:r>
+          </a:p>
+          <a:p>
+            <a:pPr marL="0" indent="0">
+              <a:buNone/>
+            </a:pPr>
+            <a:endParaRPr lang="en-US" sz="1200" dirty="0" smtClean="0"/>
+          </a:p>
+          <a:p>
+            <a:pPr marL="0" indent="0">
+              <a:buNone/>
+            </a:pPr>
+            <a:endParaRPr lang="en-US" sz="1200" dirty="0"/>
+          </a:p>
+          <a:p>
+            <a:pPr marL="0" indent="0">
+              <a:buNone/>
+            </a:pPr>
+            <a:endParaRPr lang="en-US" sz="1200" dirty="0" smtClean="0"/>
+          </a:p>
+          <a:p>
+            <a:pPr marL="0" indent="0">
+              <a:buNone/>
+            </a:pPr>
+            <a:endParaRPr lang="en-US" sz="1200" dirty="0"/>
+          </a:p>
+          <a:p>
+            <a:pPr marL="0" indent="0">
+              <a:buNone/>
+            </a:pPr>
+            <a:r>
+              <a:rPr lang="en-US" sz="1200" dirty="0"/>
+              <a:t>Statistical or other data files</a:t>
+            </a:r>
+          </a:p>
+          <a:p>
+            <a:pPr marL="0" indent="0">
+              <a:buNone/>
+            </a:pPr>
+            <a:endParaRPr lang="en-US" sz="1200" dirty="0"/>
+          </a:p>
+          <a:p>
+            <a:pPr marL="0" indent="0">
+              <a:buNone/>
+            </a:pPr>
+            <a:r>
+              <a:rPr lang="en-US" sz="1200" dirty="0"/>
+              <a:t>Database contents (video, audio, text, images)</a:t>
+            </a:r>
+          </a:p>
+          <a:p>
+            <a:pPr marL="0" indent="0">
+              <a:buNone/>
+            </a:pPr>
+            <a:endParaRPr lang="en-US" sz="1200" dirty="0"/>
+          </a:p>
+          <a:p>
+            <a:pPr marL="0" indent="0">
+              <a:buNone/>
+            </a:pPr>
+            <a:r>
+              <a:rPr lang="en-US" sz="1200" dirty="0"/>
+              <a:t>Models, algorithms, scripts</a:t>
+            </a:r>
+          </a:p>
+          <a:p>
+            <a:pPr marL="0" indent="0">
+              <a:buNone/>
+            </a:pPr>
+            <a:endParaRPr lang="en-US" sz="1200" dirty="0"/>
+          </a:p>
+          <a:p>
+            <a:pPr marL="0" indent="0">
+              <a:buNone/>
+            </a:pPr>
+            <a:r>
+              <a:rPr lang="en-US" sz="1200" dirty="0"/>
+              <a:t>Contents of an application (input, output, </a:t>
+            </a:r>
+            <a:r>
+              <a:rPr lang="en-US" sz="1200" dirty="0" err="1"/>
+              <a:t>logfiles</a:t>
+            </a:r>
+            <a:r>
+              <a:rPr lang="en-US" sz="1200" dirty="0"/>
+              <a:t> for analysis software, simulation software, schemas)</a:t>
+            </a:r>
+          </a:p>
+          <a:p>
+            <a:pPr marL="0" indent="0">
+              <a:buNone/>
+            </a:pPr>
+            <a:endParaRPr lang="en-US" sz="1200" dirty="0"/>
+          </a:p>
+          <a:p>
+            <a:pPr marL="0" indent="0">
+              <a:buNone/>
+            </a:pPr>
+            <a:r>
+              <a:rPr lang="en-US" sz="1200" dirty="0"/>
+              <a:t>Methodologies and workflows</a:t>
+            </a:r>
+          </a:p>
+          <a:p>
+            <a:pPr marL="0" indent="0">
+              <a:buNone/>
+            </a:pPr>
+            <a:endParaRPr lang="en-US" sz="1200" dirty="0"/>
+          </a:p>
+          <a:p>
+            <a:pPr marL="0" indent="0">
+              <a:buNone/>
+            </a:pPr>
+            <a:r>
+              <a:rPr lang="en-US" sz="1200" dirty="0"/>
+              <a:t>Standard operating procedures and protocols</a:t>
+            </a:r>
+          </a:p>
+          <a:p>
+            <a:pPr marL="0" indent="0">
+              <a:buNone/>
+            </a:pPr>
+            <a:endParaRPr lang="en-US" sz="1200" dirty="0"/>
+          </a:p>
+        </p:txBody>
+      </p:sp>
+      <p:sp>
+        <p:nvSpPr>
+          <p:cNvPr id="4" name="TextBox 3"/>
+          <p:cNvSpPr txBox="1"/>
+          <p:nvPr/>
+        </p:nvSpPr>
+        <p:spPr>
+          <a:xfrm>
+            <a:off x="5615865" y="5426445"/>
+            <a:ext cx="3070935" cy="246221"/>
+          </a:xfrm>
+          <a:prstGeom prst="rect">
+            <a:avLst/>
+          </a:prstGeom>
+          <a:noFill/>
+        </p:spPr>
+        <p:txBody>
+          <a:bodyPr wrap="none" rtlCol="0">
+            <a:spAutoFit/>
+          </a:bodyPr>
+          <a:lstStyle/>
+          <a:p>
+            <a:r>
+              <a:rPr lang="en-US" sz="1000" dirty="0"/>
+              <a:t>http://</a:t>
+            </a:r>
+            <a:r>
+              <a:rPr lang="en-US" sz="1000" dirty="0" err="1"/>
+              <a:t>datalib.edina.ac.uk</a:t>
+            </a:r>
+            <a:r>
+              <a:rPr lang="en-US" sz="1000" dirty="0"/>
+              <a:t>/mantra/</a:t>
+            </a:r>
+            <a:r>
+              <a:rPr lang="en-US" sz="1000" dirty="0" err="1"/>
+              <a:t>researchdataexplained</a:t>
+            </a:r>
+            <a:r>
+              <a:rPr lang="en-US" sz="1000" dirty="0"/>
+              <a:t>/</a:t>
+            </a:r>
+          </a:p>
+        </p:txBody>
+      </p:sp>
+    </p:spTree>
+    <p:extLst>
+      <p:ext uri="{BB962C8B-B14F-4D97-AF65-F5344CB8AC3E}">
+        <p14:creationId xmlns:p14="http://schemas.microsoft.com/office/powerpoint/2010/main" val="4185126802"/>
+      </p:ext>
+    </p:extLst>
+  </p:cSld>
+  <p:clrMapOvr>
+    <a:masterClrMapping/>
+  </p:clrMapOvr>
+</p:sld>
+</file>
+
+<file path=ppt/slides/slide16.xml><?xml version="1.0" encoding="utf-8"?>
 <p:sld xmlns:a="http://schemas.openxmlformats.org/drawingml/2006/main" xmlns:r="http://schemas.openxmlformats.org/officeDocument/2006/relationships" xmlns:p="http://schemas.openxmlformats.org/presentationml/2006/main">
   <p:cSld>
     <p:spTree>
@@ -5140,7 +5620,7 @@
 </p:sld>
 </file>
 
-<file path=ppt/slides/slide16.xml><?xml version="1.0" encoding="utf-8"?>
+<file path=ppt/slides/slide17.xml><?xml version="1.0" encoding="utf-8"?>
 <p:sld xmlns:a="http://schemas.openxmlformats.org/drawingml/2006/main" xmlns:r="http://schemas.openxmlformats.org/officeDocument/2006/relationships" xmlns:p="http://schemas.openxmlformats.org/presentationml/2006/main">
   <p:cSld>
     <p:spTree>
@@ -5174,7 +5654,111 @@
           <a:p>
             <a:r>
               <a:rPr lang="en-US" dirty="0" smtClean="0"/>
-              <a:t>Curation</a:t>
+              <a:t>Curation (defined)</a:t>
+            </a:r>
+            <a:endParaRPr lang="en-US" dirty="0"/>
+          </a:p>
+        </p:txBody>
+      </p:sp>
+      <p:sp>
+        <p:nvSpPr>
+          <p:cNvPr id="3" name="Content Placeholder 2"/>
+          <p:cNvSpPr>
+            <a:spLocks noGrp="1"/>
+          </p:cNvSpPr>
+          <p:nvPr>
+            <p:ph idx="1"/>
+          </p:nvPr>
+        </p:nvSpPr>
+        <p:spPr/>
+        <p:txBody>
+          <a:bodyPr/>
+          <a:lstStyle/>
+          <a:p>
+            <a:pPr marL="0" indent="0">
+              <a:buNone/>
+            </a:pPr>
+            <a:r>
+              <a:rPr lang="en-US" dirty="0" smtClean="0"/>
+              <a:t>(Noun)</a:t>
+            </a:r>
+            <a:endParaRPr lang="en-US" dirty="0"/>
+          </a:p>
+          <a:p>
+            <a:pPr marL="0" indent="0">
+              <a:buNone/>
+            </a:pPr>
+            <a:endParaRPr lang="en-US" dirty="0" smtClean="0"/>
+          </a:p>
+          <a:p>
+            <a:pPr marL="514350" indent="-514350">
+              <a:buAutoNum type="arabicPeriod"/>
+            </a:pPr>
+            <a:r>
+              <a:rPr lang="en-US" dirty="0" smtClean="0"/>
+              <a:t>The act of healing, or curing. </a:t>
+            </a:r>
+          </a:p>
+          <a:p>
+            <a:pPr marL="514350" indent="-514350">
+              <a:buAutoNum type="arabicPeriod"/>
+            </a:pPr>
+            <a:r>
+              <a:rPr lang="en-US" dirty="0" smtClean="0"/>
+              <a:t>Guardianship.</a:t>
+            </a:r>
+            <a:endParaRPr lang="en-US" dirty="0"/>
+          </a:p>
+        </p:txBody>
+      </p:sp>
+    </p:spTree>
+    <p:extLst>
+      <p:ext uri="{BB962C8B-B14F-4D97-AF65-F5344CB8AC3E}">
+        <p14:creationId xmlns:p14="http://schemas.microsoft.com/office/powerpoint/2010/main" val="2408985885"/>
+      </p:ext>
+    </p:extLst>
+  </p:cSld>
+  <p:clrMapOvr>
+    <a:masterClrMapping/>
+  </p:clrMapOvr>
+</p:sld>
+</file>
+
+<file path=ppt/slides/slide18.xml><?xml version="1.0" encoding="utf-8"?>
+<p:sld xmlns:a="http://schemas.openxmlformats.org/drawingml/2006/main" xmlns:r="http://schemas.openxmlformats.org/officeDocument/2006/relationships" xmlns:p="http://schemas.openxmlformats.org/presentationml/2006/main">
+  <p:cSld>
+    <p:spTree>
+      <p:nvGrpSpPr>
+        <p:cNvPr id="1" name=""/>
+        <p:cNvGrpSpPr/>
+        <p:nvPr/>
+      </p:nvGrpSpPr>
+      <p:grpSpPr>
+        <a:xfrm>
+          <a:off x="0" y="0"/>
+          <a:ext cx="0" cy="0"/>
+          <a:chOff x="0" y="0"/>
+          <a:chExt cx="0" cy="0"/>
+        </a:xfrm>
+      </p:grpSpPr>
+      <p:sp>
+        <p:nvSpPr>
+          <p:cNvPr id="2" name="Title 1"/>
+          <p:cNvSpPr>
+            <a:spLocks noGrp="1"/>
+          </p:cNvSpPr>
+          <p:nvPr>
+            <p:ph type="title"/>
+          </p:nvPr>
+        </p:nvSpPr>
+        <p:spPr/>
+        <p:txBody>
+          <a:bodyPr/>
+          <a:lstStyle/>
+          <a:p>
+            <a:r>
+              <a:rPr lang="en-US" dirty="0" smtClean="0"/>
+              <a:t>Curation in digital context</a:t>
             </a:r>
             <a:endParaRPr lang="en-US" dirty="0"/>
           </a:p>
@@ -5217,7 +5801,7 @@
 </p:sld>
 </file>
 
-<file path=ppt/slides/slide17.xml><?xml version="1.0" encoding="utf-8"?>
+<file path=ppt/slides/slide19.xml><?xml version="1.0" encoding="utf-8"?>
 <p:sld xmlns:a="http://schemas.openxmlformats.org/drawingml/2006/main" xmlns:r="http://schemas.openxmlformats.org/officeDocument/2006/relationships" xmlns:p="http://schemas.openxmlformats.org/presentationml/2006/main">
   <p:cSld>
     <p:spTree>
@@ -5246,58 +5830,100 @@
         </p:nvSpPr>
         <p:spPr/>
         <p:txBody>
+          <a:bodyPr/>
+          <a:lstStyle/>
+          <a:p>
+            <a:r>
+              <a:rPr lang="en-US" dirty="0" smtClean="0"/>
+              <a:t>Curation roles... </a:t>
+            </a:r>
+            <a:endParaRPr lang="en-US" dirty="0"/>
+          </a:p>
+        </p:txBody>
+      </p:sp>
+      <p:sp>
+        <p:nvSpPr>
+          <p:cNvPr id="3" name="Content Placeholder 2"/>
+          <p:cNvSpPr>
+            <a:spLocks noGrp="1"/>
+          </p:cNvSpPr>
+          <p:nvPr>
+            <p:ph idx="1"/>
+          </p:nvPr>
+        </p:nvSpPr>
+        <p:spPr/>
+        <p:txBody>
           <a:bodyPr>
             <a:normAutofit/>
           </a:bodyPr>
           <a:lstStyle/>
           <a:p>
-            <a:r>
-              <a:rPr lang="en-US" dirty="0" smtClean="0"/>
-              <a:t>Data Curation</a:t>
-            </a:r>
-            <a:endParaRPr lang="en-US" dirty="0"/>
-          </a:p>
-        </p:txBody>
-      </p:sp>
-      <p:sp>
-        <p:nvSpPr>
-          <p:cNvPr id="3" name="Content Placeholder 2"/>
-          <p:cNvSpPr>
-            <a:spLocks noGrp="1"/>
-          </p:cNvSpPr>
-          <p:nvPr>
-            <p:ph idx="1"/>
-          </p:nvPr>
-        </p:nvSpPr>
-        <p:spPr/>
-        <p:txBody>
-          <a:bodyPr/>
-          <a:lstStyle/>
-          <a:p>
             <a:pPr marL="0" indent="0">
               <a:buNone/>
             </a:pPr>
             <a:r>
-              <a:rPr lang="en-US" smtClean="0"/>
-              <a:t>Data </a:t>
-            </a:r>
-            <a:r>
-              <a:rPr lang="en-US" dirty="0"/>
-              <a:t>curation is the active and ongoing management of data throughout its entire lifecycle of interest and usefulness to scholarship, including it's reuse in unanticipated contexts (Cragin et al. 2007)</a:t>
-            </a:r>
+              <a:rPr lang="en-US" sz="2400" dirty="0" smtClean="0"/>
+              <a:t>Build </a:t>
+            </a:r>
+            <a:r>
+              <a:rPr lang="en-US" sz="2400" dirty="0"/>
+              <a:t>and maintain data collections, associated indexing systems, metadata standards, ontologies, and retrieval systems.</a:t>
+            </a:r>
+            <a:endParaRPr lang="en-US" sz="2400" dirty="0" smtClean="0"/>
           </a:p>
           <a:p>
             <a:pPr marL="0" indent="0">
               <a:buNone/>
             </a:pPr>
-            <a:endParaRPr lang="en-US" dirty="0"/>
+            <a:endParaRPr lang="en-US" sz="2400" dirty="0"/>
+          </a:p>
+          <a:p>
+            <a:pPr marL="0" indent="0">
+              <a:buNone/>
+            </a:pPr>
+            <a:r>
+              <a:rPr lang="en-US" sz="2400" dirty="0" smtClean="0"/>
+              <a:t>And….</a:t>
+            </a:r>
+          </a:p>
+          <a:p>
+            <a:pPr marL="0" indent="0">
+              <a:buNone/>
+            </a:pPr>
+            <a:endParaRPr lang="en-US" sz="2400" dirty="0"/>
+          </a:p>
+          <a:p>
+            <a:pPr marL="0" indent="0">
+              <a:buNone/>
+            </a:pPr>
+            <a:r>
+              <a:rPr lang="en-US" sz="2400" dirty="0" smtClean="0"/>
+              <a:t>Ensuring data </a:t>
+            </a:r>
+            <a:r>
+              <a:rPr lang="en-US" sz="2400" dirty="0"/>
+              <a:t>quality, authentication, security, and </a:t>
+            </a:r>
+            <a:r>
+              <a:rPr lang="en-US" sz="2400" dirty="0" smtClean="0"/>
+              <a:t>developing associated </a:t>
+            </a:r>
+            <a:r>
+              <a:rPr lang="en-US" sz="2400" dirty="0"/>
+              <a:t>documentation and </a:t>
+            </a:r>
+            <a:r>
+              <a:rPr lang="en-US" sz="2400" dirty="0" smtClean="0"/>
+              <a:t>tools necessary for long-term reuse. </a:t>
+            </a:r>
+            <a:endParaRPr lang="en-US" sz="2400" dirty="0"/>
           </a:p>
         </p:txBody>
       </p:sp>
     </p:spTree>
     <p:extLst>
       <p:ext uri="{BB962C8B-B14F-4D97-AF65-F5344CB8AC3E}">
-        <p14:creationId xmlns:p14="http://schemas.microsoft.com/office/powerpoint/2010/main" val="3835548221"/>
+        <p14:creationId xmlns:p14="http://schemas.microsoft.com/office/powerpoint/2010/main" val="4149825383"/>
       </p:ext>
     </p:extLst>
   </p:cSld>
@@ -5357,7 +5983,12 @@
             <p:ph idx="1"/>
           </p:nvPr>
         </p:nvSpPr>
-        <p:spPr/>
+        <p:spPr>
+          <a:xfrm>
+            <a:off x="457200" y="1830010"/>
+            <a:ext cx="8229600" cy="4525963"/>
+          </a:xfrm>
+        </p:spPr>
         <p:txBody>
           <a:bodyPr/>
           <a:lstStyle/>
@@ -5370,29 +6001,39 @@
           <a:p>
             <a:r>
               <a:rPr lang="en-US" dirty="0" smtClean="0"/>
-              <a:t>Lifecycle models </a:t>
-            </a:r>
-          </a:p>
-          <a:p>
+              <a:t>Archives </a:t>
+            </a:r>
             <a:r>
               <a:rPr lang="en-US" dirty="0" smtClean="0"/>
-              <a:t>Archives and records management concepts</a:t>
+              <a:t>and records management concepts</a:t>
             </a:r>
           </a:p>
           <a:p>
             <a:r>
               <a:rPr lang="en-US" dirty="0" smtClean="0"/>
-              <a:t>??</a:t>
+              <a:t>Overview of Life Cycle models</a:t>
             </a:r>
           </a:p>
           <a:p>
             <a:r>
               <a:rPr lang="en-US" dirty="0" smtClean="0"/>
-              <a:t>Data citation, publication, and linked data (last) </a:t>
-            </a:r>
-          </a:p>
-          <a:p>
-            <a:endParaRPr lang="en-US" dirty="0"/>
+              <a:t>Identifier schemes</a:t>
+            </a:r>
+            <a:endParaRPr lang="en-US" dirty="0" smtClean="0"/>
+          </a:p>
+          <a:p>
+            <a:r>
+              <a:rPr lang="en-US" dirty="0" smtClean="0"/>
+              <a:t>Data </a:t>
+            </a:r>
+            <a:r>
+              <a:rPr lang="en-US" dirty="0" smtClean="0"/>
+              <a:t>publication</a:t>
+            </a:r>
+            <a:r>
+              <a:rPr lang="en-US" dirty="0" smtClean="0"/>
+              <a:t>, and linked data </a:t>
+            </a:r>
           </a:p>
         </p:txBody>
       </p:sp>
@@ -5400,6 +6041,142 @@
     <p:extLst>
       <p:ext uri="{BB962C8B-B14F-4D97-AF65-F5344CB8AC3E}">
         <p14:creationId xmlns:p14="http://schemas.microsoft.com/office/powerpoint/2010/main" val="4133957706"/>
+      </p:ext>
+    </p:extLst>
+  </p:cSld>
+  <p:clrMapOvr>
+    <a:masterClrMapping/>
+  </p:clrMapOvr>
+</p:sld>
+</file>
+
+<file path=ppt/slides/slide20.xml><?xml version="1.0" encoding="utf-8"?>
+<p:sld xmlns:a="http://schemas.openxmlformats.org/drawingml/2006/main" xmlns:r="http://schemas.openxmlformats.org/officeDocument/2006/relationships" xmlns:p="http://schemas.openxmlformats.org/presentationml/2006/main">
+  <p:cSld>
+    <p:spTree>
+      <p:nvGrpSpPr>
+        <p:cNvPr id="1" name=""/>
+        <p:cNvGrpSpPr/>
+        <p:nvPr/>
+      </p:nvGrpSpPr>
+      <p:grpSpPr>
+        <a:xfrm>
+          <a:off x="0" y="0"/>
+          <a:ext cx="0" cy="0"/>
+          <a:chOff x="0" y="0"/>
+          <a:chExt cx="0" cy="0"/>
+        </a:xfrm>
+      </p:grpSpPr>
+      <p:sp>
+        <p:nvSpPr>
+          <p:cNvPr id="2" name="Title 1"/>
+          <p:cNvSpPr>
+            <a:spLocks noGrp="1"/>
+          </p:cNvSpPr>
+          <p:nvPr>
+            <p:ph type="title"/>
+          </p:nvPr>
+        </p:nvSpPr>
+        <p:spPr/>
+        <p:txBody>
+          <a:bodyPr>
+            <a:normAutofit/>
+          </a:bodyPr>
+          <a:lstStyle/>
+          <a:p>
+            <a:r>
+              <a:rPr lang="en-US" dirty="0" smtClean="0"/>
+              <a:t>Data Curation</a:t>
+            </a:r>
+            <a:endParaRPr lang="en-US" dirty="0"/>
+          </a:p>
+        </p:txBody>
+      </p:sp>
+      <p:sp>
+        <p:nvSpPr>
+          <p:cNvPr id="3" name="Content Placeholder 2"/>
+          <p:cNvSpPr>
+            <a:spLocks noGrp="1"/>
+          </p:cNvSpPr>
+          <p:nvPr>
+            <p:ph idx="1"/>
+          </p:nvPr>
+        </p:nvSpPr>
+        <p:spPr/>
+        <p:txBody>
+          <a:bodyPr/>
+          <a:lstStyle/>
+          <a:p>
+            <a:pPr marL="0" indent="0">
+              <a:buNone/>
+            </a:pPr>
+            <a:r>
+              <a:rPr lang="en-US" dirty="0" smtClean="0"/>
+              <a:t>Data </a:t>
+            </a:r>
+            <a:r>
+              <a:rPr lang="en-US" dirty="0"/>
+              <a:t>curation is the active and ongoing management of data throughout its entire lifecycle of interest and usefulness to scholarship, including it's reuse in </a:t>
+            </a:r>
+            <a:r>
+              <a:rPr lang="en-US" i="1" dirty="0"/>
+              <a:t>unanticipated </a:t>
+            </a:r>
+            <a:r>
+              <a:rPr lang="en-US" i="1" dirty="0" smtClean="0"/>
+              <a:t>contexts.</a:t>
+            </a:r>
+          </a:p>
+          <a:p>
+            <a:pPr marL="0" indent="0">
+              <a:buNone/>
+            </a:pPr>
+            <a:endParaRPr lang="en-US" i="1" dirty="0"/>
+          </a:p>
+          <a:p>
+            <a:pPr marL="0" indent="0">
+              <a:buNone/>
+            </a:pPr>
+            <a:endParaRPr lang="en-US" i="1" dirty="0"/>
+          </a:p>
+        </p:txBody>
+      </p:sp>
+      <p:sp>
+        <p:nvSpPr>
+          <p:cNvPr id="4" name="TextBox 3"/>
+          <p:cNvSpPr txBox="1"/>
+          <p:nvPr/>
+        </p:nvSpPr>
+        <p:spPr>
+          <a:xfrm>
+            <a:off x="5793620" y="4257524"/>
+            <a:ext cx="2141857" cy="553998"/>
+          </a:xfrm>
+          <a:prstGeom prst="rect">
+            <a:avLst/>
+          </a:prstGeom>
+          <a:noFill/>
+        </p:spPr>
+        <p:txBody>
+          <a:bodyPr wrap="none" rtlCol="0">
+            <a:spAutoFit/>
+          </a:bodyPr>
+          <a:lstStyle/>
+          <a:p>
+            <a:r>
+              <a:rPr lang="en-US" sz="1200" dirty="0"/>
+              <a:t>(edited from Cragin et al. 2007)</a:t>
+            </a:r>
+          </a:p>
+          <a:p>
+            <a:endParaRPr lang="en-US" dirty="0"/>
+          </a:p>
+        </p:txBody>
+      </p:sp>
+    </p:spTree>
+    <p:extLst>
+      <p:ext uri="{BB962C8B-B14F-4D97-AF65-F5344CB8AC3E}">
+        <p14:creationId xmlns:p14="http://schemas.microsoft.com/office/powerpoint/2010/main" val="3835548221"/>
       </p:ext>
     </p:extLst>
   </p:cSld>
@@ -5468,56 +6245,67 @@
               <a:rPr lang="en-US" dirty="0" smtClean="0"/>
               <a:t>Scoping research data curation </a:t>
             </a:r>
+            <a:endParaRPr lang="en-US" dirty="0" smtClean="0"/>
           </a:p>
           <a:p>
             <a:r>
               <a:rPr lang="en-US" dirty="0" smtClean="0">
                 <a:solidFill>
                   <a:schemeClr val="bg1">
-                    <a:lumMod val="65000"/>
-                  </a:schemeClr>
-                </a:solidFill>
-              </a:rPr>
-              <a:t>Lifecycle models </a:t>
-            </a:r>
-          </a:p>
-          <a:p>
-            <a:r>
-              <a:rPr lang="en-US" dirty="0" smtClean="0">
-                <a:solidFill>
-                  <a:schemeClr val="bg1">
-                    <a:lumMod val="65000"/>
+                    <a:lumMod val="85000"/>
                   </a:schemeClr>
                 </a:solidFill>
               </a:rPr>
               <a:t>Archives and records management concepts</a:t>
             </a:r>
-          </a:p>
-          <a:p>
-            <a:r>
-              <a:rPr lang="en-US" dirty="0" smtClean="0">
+            <a:endParaRPr lang="en-US" dirty="0" smtClean="0">
+              <a:solidFill>
+                <a:schemeClr val="bg1">
+                  <a:lumMod val="85000"/>
+                </a:schemeClr>
+              </a:solidFill>
+            </a:endParaRPr>
+          </a:p>
+          <a:p>
+            <a:r>
+              <a:rPr lang="en-US" dirty="0">
                 <a:solidFill>
                   <a:schemeClr val="bg1">
-                    <a:lumMod val="65000"/>
+                    <a:lumMod val="85000"/>
                   </a:schemeClr>
                 </a:solidFill>
               </a:rPr>
-              <a:t>??</a:t>
-            </a:r>
-          </a:p>
-          <a:p>
-            <a:r>
-              <a:rPr lang="en-US" dirty="0" smtClean="0">
+              <a:t>Overview of Life Cycle models</a:t>
+            </a:r>
+          </a:p>
+          <a:p>
+            <a:r>
+              <a:rPr lang="en-US" dirty="0">
                 <a:solidFill>
                   <a:schemeClr val="bg1">
-                    <a:lumMod val="65000"/>
+                    <a:lumMod val="85000"/>
                   </a:schemeClr>
                 </a:solidFill>
               </a:rPr>
-              <a:t>Data citation, publication, and linked data (last) </a:t>
-            </a:r>
-          </a:p>
-          <a:p>
+              <a:t>Identifier schemes</a:t>
+            </a:r>
+          </a:p>
+          <a:p>
+            <a:r>
+              <a:rPr lang="en-US" dirty="0">
+                <a:solidFill>
+                  <a:schemeClr val="bg1">
+                    <a:lumMod val="85000"/>
+                  </a:schemeClr>
+                </a:solidFill>
+              </a:rPr>
+              <a:t>Data publication, and linked data </a:t>
+            </a:r>
+          </a:p>
+          <a:p>
+            <a:pPr marL="0" indent="0">
+              <a:buNone/>
+            </a:pPr>
             <a:endParaRPr lang="en-US" dirty="0"/>
           </a:p>
         </p:txBody>
@@ -5610,7 +6398,15 @@
             </a:pPr>
             <a:r>
               <a:rPr lang="en-US" dirty="0" smtClean="0"/>
-              <a:t>Not just digital preservation…</a:t>
+              <a:t>Not </a:t>
+            </a:r>
+            <a:r>
+              <a:rPr lang="en-US" b="1" dirty="0" smtClean="0"/>
+              <a:t>just</a:t>
+            </a:r>
+            <a:r>
+              <a:rPr lang="en-US" dirty="0" smtClean="0"/>
+              <a:t> digital preservation…</a:t>
             </a:r>
           </a:p>
           <a:p>
@@ -5625,7 +6421,15 @@
             </a:pPr>
             <a:r>
               <a:rPr lang="en-US" dirty="0" smtClean="0"/>
-              <a:t>Not only data management…</a:t>
+              <a:t>Not </a:t>
+            </a:r>
+            <a:r>
+              <a:rPr lang="en-US" b="1" dirty="0" smtClean="0"/>
+              <a:t>only</a:t>
+            </a:r>
+            <a:r>
+              <a:rPr lang="en-US" dirty="0" smtClean="0"/>
+              <a:t> data management…</a:t>
             </a:r>
             <a:endParaRPr lang="en-US" dirty="0"/>
           </a:p>
